--- a/Final PP_110218BN.pptx
+++ b/Final PP_110218BN.pptx
@@ -11950,6 +11950,30 @@
               <a:buNone/>
             </a:pPr>
             <a:r>
+              <a:rPr lang="en" dirty="0" err="1">
+                <a:solidFill>
+                  <a:srgbClr val="24292E"/>
+                </a:solidFill>
+                <a:latin typeface="Times New Roman"/>
+                <a:ea typeface="Times New Roman"/>
+                <a:cs typeface="Times New Roman"/>
+                <a:sym typeface="Times New Roman"/>
+              </a:rPr>
+              <a:t>Wickens</a:t>
+            </a:r>
+            <a:r>
+              <a:rPr lang="en" dirty="0">
+                <a:solidFill>
+                  <a:srgbClr val="24292E"/>
+                </a:solidFill>
+                <a:latin typeface="Times New Roman"/>
+                <a:ea typeface="Times New Roman"/>
+                <a:cs typeface="Times New Roman"/>
+                <a:sym typeface="Times New Roman"/>
+              </a:rPr>
+              <a:t> and Dixon (2007) identified this concept of a reliability threshold of 70%, that is based on their review of studies where automation performed </a:t>
+            </a:r>
+            <a:r>
               <a:rPr lang="en">
                 <a:solidFill>
                   <a:srgbClr val="24292E"/>
@@ -11959,9 +11983,93 @@
                 <a:cs typeface="Times New Roman"/>
                 <a:sym typeface="Times New Roman"/>
               </a:rPr>
-              <a:t>Wickens and Dixon (2007) identified this concept of a reliability threshold of 70%, which was based on their review of studies in which automation performed tasks which humans could perform unaided. In these types of tasks, if reliability falls too low, automation may be perceived as useless, or worse, may negatively affect overall task performance. As a result, human operators are less likely or less willing to rely on automated systems, and instead, execute tasks themselves while disregarding any information coming from an automated system that is perceived as unreliable. Madhavan, Wiegmann, &amp; Lacson (2006), also identified that when automation reliability levels fall below the 70% threshold, performance tends to decrease to levels lower than those of manual task performance alone (i.e., unaided by automation).</a:t>
+              <a:t>tasks that </a:t>
             </a:r>
-            <a:endParaRPr>
+            <a:r>
+              <a:rPr lang="en" dirty="0">
+                <a:solidFill>
+                  <a:srgbClr val="24292E"/>
+                </a:solidFill>
+                <a:latin typeface="Times New Roman"/>
+                <a:ea typeface="Times New Roman"/>
+                <a:cs typeface="Times New Roman"/>
+                <a:sym typeface="Times New Roman"/>
+              </a:rPr>
+              <a:t>humans could perform unaided. In these types of tasks, if reliability falls too low, automation may be perceived as useless, or worse, may negatively affect overall task performance. As a result, human operators are less likely or less willing to rely on automated systems, and instead, execute tasks themselves while disregarding any information coming from an automated system that is perceived as unreliable. </a:t>
+            </a:r>
+            <a:r>
+              <a:rPr lang="en" dirty="0" err="1">
+                <a:solidFill>
+                  <a:srgbClr val="24292E"/>
+                </a:solidFill>
+                <a:latin typeface="Times New Roman"/>
+                <a:ea typeface="Times New Roman"/>
+                <a:cs typeface="Times New Roman"/>
+                <a:sym typeface="Times New Roman"/>
+              </a:rPr>
+              <a:t>Madhavan</a:t>
+            </a:r>
+            <a:r>
+              <a:rPr lang="en" dirty="0">
+                <a:solidFill>
+                  <a:srgbClr val="24292E"/>
+                </a:solidFill>
+                <a:latin typeface="Times New Roman"/>
+                <a:ea typeface="Times New Roman"/>
+                <a:cs typeface="Times New Roman"/>
+                <a:sym typeface="Times New Roman"/>
+              </a:rPr>
+              <a:t>, </a:t>
+            </a:r>
+            <a:r>
+              <a:rPr lang="en" dirty="0" err="1">
+                <a:solidFill>
+                  <a:srgbClr val="24292E"/>
+                </a:solidFill>
+                <a:latin typeface="Times New Roman"/>
+                <a:ea typeface="Times New Roman"/>
+                <a:cs typeface="Times New Roman"/>
+                <a:sym typeface="Times New Roman"/>
+              </a:rPr>
+              <a:t>Wiegmann</a:t>
+            </a:r>
+            <a:r>
+              <a:rPr lang="en" dirty="0">
+                <a:solidFill>
+                  <a:srgbClr val="24292E"/>
+                </a:solidFill>
+                <a:latin typeface="Times New Roman"/>
+                <a:ea typeface="Times New Roman"/>
+                <a:cs typeface="Times New Roman"/>
+                <a:sym typeface="Times New Roman"/>
+              </a:rPr>
+              <a:t>, &amp; </a:t>
+            </a:r>
+            <a:r>
+              <a:rPr lang="en" dirty="0" err="1">
+                <a:solidFill>
+                  <a:srgbClr val="24292E"/>
+                </a:solidFill>
+                <a:latin typeface="Times New Roman"/>
+                <a:ea typeface="Times New Roman"/>
+                <a:cs typeface="Times New Roman"/>
+                <a:sym typeface="Times New Roman"/>
+              </a:rPr>
+              <a:t>Lacson</a:t>
+            </a:r>
+            <a:r>
+              <a:rPr lang="en" dirty="0">
+                <a:solidFill>
+                  <a:srgbClr val="24292E"/>
+                </a:solidFill>
+                <a:latin typeface="Times New Roman"/>
+                <a:ea typeface="Times New Roman"/>
+                <a:cs typeface="Times New Roman"/>
+                <a:sym typeface="Times New Roman"/>
+              </a:rPr>
+              <a:t> (2006), also identified that when automation reliability levels fall below the 70% threshold, performance tends to decrease to levels lower than those of manual task performance alone (i.e., unaided by automation).</a:t>
+            </a:r>
+            <a:endParaRPr dirty="0">
               <a:solidFill>
                 <a:srgbClr val="24292E"/>
               </a:solidFill>
@@ -11986,7 +12094,7 @@
               <a:buFont typeface="Arial"/>
               <a:buNone/>
             </a:pPr>
-            <a:endParaRPr sz="1200">
+            <a:endParaRPr sz="1200" dirty="0">
               <a:solidFill>
                 <a:srgbClr val="24292E"/>
               </a:solidFill>
@@ -12002,7 +12110,7 @@
               </a:spcAft>
               <a:buNone/>
             </a:pPr>
-            <a:endParaRPr/>
+            <a:endParaRPr dirty="0"/>
           </a:p>
         </p:txBody>
       </p:sp>
